--- a/zeroth_review.pptx
+++ b/zeroth_review.pptx
@@ -164,7 +164,7 @@
         <p:txBody>
           <a:bodyPr/>
           <a:p>
-            <a:fld id="{C741524D-6ECB-48A1-A183-4E5CF70F6638}" type="slidenum">
+            <a:fld id="{80F3C9AA-D070-4A9A-9879-8A7BA26E5C71}" type="slidenum">
               <a:t>&lt;#&gt;</a:t>
             </a:fld>
           </a:p>
@@ -695,7 +695,7 @@
             <a:pPr indent="0" algn="r">
               <a:buNone/>
             </a:pPr>
-            <a:fld id="{290EFB49-5BAE-465F-B06D-663CA7478EBC}" type="slidenum">
+            <a:fld id="{EEE206CA-26D8-4FC7-8E2C-68752CA60266}" type="slidenum">
               <a:rPr b="0" lang="en-US" sz="1400" strike="noStrike" u="none">
                 <a:solidFill>
                   <a:srgbClr val="ffffff"/>
@@ -1873,8 +1873,8 @@
         </p:blipFill>
         <p:spPr>
           <a:xfrm>
-            <a:off x="2189520" y="1600200"/>
-            <a:ext cx="5354280" cy="3400200"/>
+            <a:off x="1600200" y="1181520"/>
+            <a:ext cx="6400800" cy="4304880"/>
           </a:xfrm>
           <a:prstGeom prst="rect">
             <a:avLst/>
@@ -2969,8 +2969,8 @@
         </p:nvSpPr>
         <p:spPr>
           <a:xfrm>
-            <a:off x="457200" y="1600200"/>
-            <a:ext cx="8686800" cy="3657600"/>
+            <a:off x="444600" y="1155600"/>
+            <a:ext cx="9144000" cy="5043600"/>
           </a:xfrm>
           <a:prstGeom prst="rect">
             <a:avLst/>
@@ -2985,37 +2985,28 @@
             <a:spAutoFit/>
           </a:bodyPr>
           <a:p>
-            <a:pPr algn="just">
-              <a:spcBef>
-                <a:spcPts val="1191"/>
-              </a:spcBef>
-              <a:spcAft>
-                <a:spcPts val="992"/>
-              </a:spcAft>
-            </a:pPr>
-            <a:r>
-              <a:rPr b="0" lang="en-US" sz="1800" strike="noStrike" u="none">
-                <a:solidFill>
-                  <a:srgbClr val="000000"/>
-                </a:solidFill>
-                <a:effectLst/>
-                <a:uFillTx/>
-                <a:latin typeface="Noto Serif"/>
-              </a:rPr>
-              <a:t>	</a:t>
-            </a:r>
-            <a:r>
-              <a:rPr b="0" lang="en-US" sz="1800" strike="noStrike" u="none">
-                <a:solidFill>
-                  <a:srgbClr val="000000"/>
-                </a:solidFill>
-                <a:effectLst/>
-                <a:uFillTx/>
-                <a:latin typeface="Noto Serif"/>
-              </a:rPr>
-              <a:t>Marine plastic pollution is a growing environmental crisis, threatening aquatic life, ecosystems, and human health. Traditional cleanup methods are inefficient, labor-intensive, and often fail to reach remote or polluted areas. There is a need for an autonomous, cost-effective, and scalable solution to remove floating plastic waste from water bodies. An Autonomous Robotic Boat can navigate water surfaces, detect and collect plastic waste using AI and sensor-based technology, and store it for proper disposal or recycling. Equipped with solar power and IoT integration, it can operate continuously with minimal human intervention. This innovation aims to reduce ocean pollution, protect marine biodiversity, and contribute to sustainable environmental conservation efforts.</a:t>
-            </a:r>
-            <a:endParaRPr b="0" lang="en-US" sz="1800" strike="noStrike" u="none">
+            <a:r>
+              <a:rPr b="0" lang="en-US" sz="2000" strike="noStrike" u="none">
+                <a:solidFill>
+                  <a:srgbClr val="000000"/>
+                </a:solidFill>
+                <a:effectLst/>
+                <a:uFillTx/>
+                <a:latin typeface="Noto Serif"/>
+              </a:rPr>
+              <a:t>Marine plastic pollution is a serious and escalating environmental issue. It poses a major threat to aquatic life, damages ecosystems, and endangers human health. Every year, millions of tons of plastic waste enter oceans, rivers, and lakes, accumulating and persisting for decades. This pollution disrupts food chains and affects the livelihood of communities dependent on marine resources. Traditional cleanup methods are often inefficient, costly, and unable to cover vast or remote areas. Manual collection is labor-intensive and slow, making it unsustainable for large-scale impact. Inaccessible and highly polluted zones remain largely untouched by current efforts. A more effective and scalable approach is urgently needed to address this growing crisis.</a:t>
+            </a:r>
+            <a:endParaRPr b="0" lang="en-US" sz="2000" strike="noStrike" u="none">
+              <a:solidFill>
+                <a:srgbClr val="000000"/>
+              </a:solidFill>
+              <a:effectLst/>
+              <a:uFillTx/>
+              <a:latin typeface="Noto Serif"/>
+            </a:endParaRPr>
+          </a:p>
+          <a:p>
+            <a:endParaRPr b="0" lang="en-US" sz="1000" strike="noStrike" u="none">
               <a:solidFill>
                 <a:srgbClr val="000000"/>
               </a:solidFill>
@@ -3538,7 +3529,7 @@
         <p:spPr>
           <a:xfrm>
             <a:off x="421200" y="1204200"/>
-            <a:ext cx="8686800" cy="4133880"/>
+            <a:ext cx="8686800" cy="4570920"/>
           </a:xfrm>
           <a:prstGeom prst="rect">
             <a:avLst/>
@@ -3553,14 +3544,6 @@
             <a:spAutoFit/>
           </a:bodyPr>
           <a:p>
-            <a:pPr algn="just">
-              <a:spcBef>
-                <a:spcPts val="1191"/>
-              </a:spcBef>
-              <a:spcAft>
-                <a:spcPts val="992"/>
-              </a:spcAft>
-            </a:pPr>
             <a:r>
               <a:rPr b="0" lang="en-US" sz="1800" strike="noStrike" u="none">
                 <a:solidFill>
@@ -3570,19 +3553,18 @@
                 <a:uFillTx/>
                 <a:latin typeface="Noto Serif"/>
               </a:rPr>
-              <a:t>	</a:t>
-            </a:r>
-            <a:r>
-              <a:rPr b="0" lang="en-US" sz="1800" strike="noStrike" u="none">
-                <a:solidFill>
-                  <a:srgbClr val="000000"/>
-                </a:solidFill>
-                <a:effectLst/>
-                <a:uFillTx/>
-                <a:latin typeface="Noto Serif"/>
-              </a:rPr>
-              <a:t>Marine plastic pollution has become a major environmental concern, endangering marine life, disrupting ecosystems, and contributing to global climate change. Traditional waste collection methods are inefficient, costly, and unable to cover large or remote areas. An Autonomous Robotic Boat offers a smart and scalable solution by automating plastic waste detection and removal from water bodies. Equipped with AI-powered computer vision, GPS-based navigation, and IoT connectivity, the boat can operate with minimal human intervention. A conveyor-based collection mechanism ensures efficient waste retrieval and storage. Solar-powered energy sources enable continuous, eco-friendly operation. Real-time data transmission allows remote monitoring and optimization of waste collection routes. This innovation aims to enhance marine waste management, contributing to cleaner oceans and a more sustainable environment.</a:t>
-            </a:r>
+              <a:t>Marine plastic pollution has become a critical environmental issue, threatening marine life, destabilizing ecosystems, and exacerbating global climate change. Existing waste collection techniques are often ineffective, expensive, and unable to reach large or isolated areas. An Autonomous Robotic Boat provides a smart, scalable solution by automating the detection and removal of plastic waste from water bodies. Using AI-driven computer vision, GPS navigation, and IoT connectivity, the boat operates with minimal human oversight. A conveyor-based system ensures efficient retrieval and storage of waste. Solar power enables continuous, eco-friendly operations, while real-time data transmission supports remote monitoring and optimization of collection routes. This technology seeks to improve marine waste management, contributing to cleaner oceans and a more sustainable environment.</a:t>
+            </a:r>
+            <a:endParaRPr b="0" lang="en-US" sz="1800" strike="noStrike" u="none">
+              <a:solidFill>
+                <a:srgbClr val="000000"/>
+              </a:solidFill>
+              <a:effectLst/>
+              <a:uFillTx/>
+              <a:latin typeface="Noto Serif"/>
+            </a:endParaRPr>
+          </a:p>
+          <a:p>
             <a:endParaRPr b="0" lang="en-US" sz="1800" strike="noStrike" u="none">
               <a:solidFill>
                 <a:srgbClr val="000000"/>
